--- a/Vela_Presentazione_Tesi.pptx
+++ b/Vela_Presentazione_Tesi.pptx
@@ -5,16 +5,15 @@
     <p:sldMasterId id="2147483648" r:id="rId1"/>
   </p:sldMasterIdLst>
   <p:notesMasterIdLst>
-    <p:notesMasterId r:id="rId9"/>
+    <p:notesMasterId r:id="rId8"/>
   </p:notesMasterIdLst>
   <p:sldIdLst>
     <p:sldId id="260" r:id="rId2"/>
     <p:sldId id="261" r:id="rId3"/>
     <p:sldId id="262" r:id="rId4"/>
-    <p:sldId id="266" r:id="rId5"/>
-    <p:sldId id="265" r:id="rId6"/>
-    <p:sldId id="264" r:id="rId7"/>
-    <p:sldId id="263" r:id="rId8"/>
+    <p:sldId id="265" r:id="rId5"/>
+    <p:sldId id="264" r:id="rId6"/>
+    <p:sldId id="263" r:id="rId7"/>
   </p:sldIdLst>
   <p:sldSz cx="12192000" cy="6858000"/>
   <p:notesSz cx="6858000" cy="9144000"/>
@@ -5000,7 +4999,7 @@
           <p:cNvPr id="2" name="Titolo 1">
             <a:extLst>
               <a:ext uri="{FF2B5EF4-FFF2-40B4-BE49-F238E27FC236}">
-                <a16:creationId xmlns:a16="http://schemas.microsoft.com/office/drawing/2014/main" id="{988F7EDF-0827-3CFC-FB95-5C1B9741655D}"/>
+                <a16:creationId xmlns:a16="http://schemas.microsoft.com/office/drawing/2014/main" id="{68133B07-96F1-F6C5-1B44-665F756641D5}"/>
               </a:ext>
             </a:extLst>
           </p:cNvPr>
@@ -5017,16 +5016,16 @@
           <a:lstStyle/>
           <a:p>
             <a:r>
+              <a:rPr lang="it-IT" dirty="0" err="1"/>
+              <a:t>Offered</a:t>
+            </a:r>
+            <a:r>
               <a:rPr lang="it-IT" dirty="0"/>
-              <a:t>List of </a:t>
+              <a:t> </a:t>
             </a:r>
             <a:r>
               <a:rPr lang="it-IT" dirty="0" err="1"/>
               <a:t>functionalities</a:t>
-            </a:r>
-            <a:r>
-              <a:rPr lang="it-IT" dirty="0"/>
-              <a:t>		</a:t>
             </a:r>
             <a:endParaRPr lang="en-GB" dirty="0"/>
           </a:p>
@@ -5037,7 +5036,7 @@
           <p:cNvPr id="3" name="Segnaposto contenuto 2">
             <a:extLst>
               <a:ext uri="{FF2B5EF4-FFF2-40B4-BE49-F238E27FC236}">
-                <a16:creationId xmlns:a16="http://schemas.microsoft.com/office/drawing/2014/main" id="{EF68DF03-4987-DF4E-ADAC-CF25A71C874E}"/>
+                <a16:creationId xmlns:a16="http://schemas.microsoft.com/office/drawing/2014/main" id="{7EA68544-01AF-EEE0-696C-AF4C904036DE}"/>
               </a:ext>
             </a:extLst>
           </p:cNvPr>
@@ -5050,94 +5049,29 @@
         </p:nvSpPr>
         <p:spPr>
           <a:xfrm>
-            <a:off x="382346" y="1036147"/>
+            <a:off x="382346" y="1053996"/>
             <a:ext cx="11441391" cy="4789956"/>
           </a:xfrm>
         </p:spPr>
         <p:txBody>
-          <a:bodyPr/>
-          <a:lstStyle/>
-          <a:p>
-            <a:r>
-              <a:rPr lang="it-IT" dirty="0"/>
-              <a:t>  </a:t>
-            </a:r>
-          </a:p>
-          <a:p>
-            <a:endParaRPr lang="en-GB" dirty="0"/>
-          </a:p>
-        </p:txBody>
-      </p:sp>
-      <p:sp>
-        <p:nvSpPr>
-          <p:cNvPr id="4" name="Segnaposto numero diapositiva 3">
-            <a:extLst>
-              <a:ext uri="{FF2B5EF4-FFF2-40B4-BE49-F238E27FC236}">
-                <a16:creationId xmlns:a16="http://schemas.microsoft.com/office/drawing/2014/main" id="{BD758FE4-2778-D957-1CDE-E9E6E3C79011}"/>
-              </a:ext>
-            </a:extLst>
-          </p:cNvPr>
-          <p:cNvSpPr>
-            <a:spLocks noGrp="1"/>
-          </p:cNvSpPr>
-          <p:nvPr>
-            <p:ph type="sldNum" sz="quarter" idx="12"/>
-          </p:nvPr>
-        </p:nvSpPr>
-        <p:spPr/>
-        <p:txBody>
-          <a:bodyPr/>
-          <a:lstStyle/>
-          <a:p>
-            <a:fld id="{7834947A-1B05-2B43-AD85-E646CE852B9E}" type="slidenum">
-              <a:rPr lang="it-IT" smtClean="0"/>
-              <a:pPr/>
-              <a:t>4</a:t>
-            </a:fld>
-            <a:endParaRPr lang="it-IT" dirty="0"/>
-          </a:p>
-        </p:txBody>
-      </p:sp>
-      <p:sp>
-        <p:nvSpPr>
-          <p:cNvPr id="5" name="CasellaDiTesto 4">
-            <a:extLst>
-              <a:ext uri="{FF2B5EF4-FFF2-40B4-BE49-F238E27FC236}">
-                <a16:creationId xmlns:a16="http://schemas.microsoft.com/office/drawing/2014/main" id="{203685B1-7047-5B4C-2F4A-3409E822CA76}"/>
-              </a:ext>
-            </a:extLst>
-          </p:cNvPr>
-          <p:cNvSpPr txBox="1"/>
-          <p:nvPr/>
-        </p:nvSpPr>
-        <p:spPr>
-          <a:xfrm>
-            <a:off x="265298" y="1714911"/>
-            <a:ext cx="3710260" cy="3416320"/>
-          </a:xfrm>
-          <a:prstGeom prst="rect">
-            <a:avLst/>
-          </a:prstGeom>
-          <a:noFill/>
-        </p:spPr>
-        <p:txBody>
-          <a:bodyPr wrap="square" rtlCol="0">
-            <a:spAutoFit/>
+          <a:bodyPr numCol="3">
+            <a:normAutofit/>
           </a:bodyPr>
           <a:lstStyle/>
           <a:p>
-            <a:pPr algn="ctr"/>
-            <a:r>
-              <a:rPr lang="it-IT" dirty="0">
-                <a:latin typeface="Baloo 2" panose="03080502040302020200"/>
-              </a:rPr>
-              <a:t>Profiling</a:t>
-            </a:r>
-          </a:p>
-          <a:p>
-            <a:endParaRPr lang="it-IT" dirty="0">
-              <a:latin typeface="Baloo 2" panose="03080502040302020200"/>
-            </a:endParaRPr>
+            <a:r>
+              <a:rPr lang="it-IT" dirty="0"/>
+              <a:t>		   </a:t>
+            </a:r>
+          </a:p>
+          <a:p>
+            <a:r>
+              <a:rPr lang="it-IT" dirty="0"/>
+              <a:t>		    Profiling</a:t>
+            </a:r>
+          </a:p>
+          <a:p>
+            <a:endParaRPr lang="it-IT" dirty="0"/>
           </a:p>
           <a:p>
             <a:pPr marL="285750" indent="-285750">
@@ -5254,6 +5188,54 @@
               </a:rPr>
               <a:t>Download Dataset</a:t>
             </a:r>
+            <a:endParaRPr lang="it-IT" dirty="0"/>
+          </a:p>
+          <a:p>
+            <a:pPr marL="1085850" lvl="1" indent="-342900">
+              <a:buFont typeface="Arial" panose="020B0604020202020204" pitchFamily="34" charset="0"/>
+              <a:buChar char="•"/>
+            </a:pPr>
+            <a:endParaRPr lang="it-IT" dirty="0"/>
+          </a:p>
+          <a:p>
+            <a:pPr marL="1085850" lvl="1" indent="-342900">
+              <a:buFont typeface="Arial" panose="020B0604020202020204" pitchFamily="34" charset="0"/>
+              <a:buChar char="•"/>
+            </a:pPr>
+            <a:endParaRPr lang="it-IT" dirty="0"/>
+          </a:p>
+          <a:p>
+            <a:pPr lvl="1" indent="0">
+              <a:buNone/>
+            </a:pPr>
+            <a:r>
+              <a:rPr lang="en-GB" dirty="0"/>
+              <a:t>Cleaning</a:t>
+            </a:r>
+          </a:p>
+          <a:p>
+            <a:pPr lvl="1" indent="0">
+              <a:buNone/>
+            </a:pPr>
+            <a:endParaRPr lang="en-GB" dirty="0"/>
+          </a:p>
+          <a:p>
+            <a:pPr marL="285750" indent="-285750">
+              <a:buFont typeface="Arial" panose="020B0604020202020204" pitchFamily="34" charset="0"/>
+              <a:buChar char="•"/>
+            </a:pPr>
+            <a:r>
+              <a:rPr lang="it-IT" dirty="0">
+                <a:latin typeface="Baloo 2" panose="03080502040302020200"/>
+              </a:rPr>
+              <a:t>Duplicate </a:t>
+            </a:r>
+            <a:r>
+              <a:rPr lang="it-IT" dirty="0" err="1">
+                <a:latin typeface="Baloo 2" panose="03080502040302020200"/>
+              </a:rPr>
+              <a:t>Detection</a:t>
+            </a:r>
             <a:br>
               <a:rPr lang="it-IT" dirty="0">
                 <a:latin typeface="Baloo 2" panose="03080502040302020200"/>
@@ -5263,132 +5245,28 @@
               <a:latin typeface="Baloo 2" panose="03080502040302020200"/>
             </a:endParaRPr>
           </a:p>
-        </p:txBody>
-      </p:sp>
-      <p:sp>
-        <p:nvSpPr>
-          <p:cNvPr id="6" name="CasellaDiTesto 5">
-            <a:extLst>
-              <a:ext uri="{FF2B5EF4-FFF2-40B4-BE49-F238E27FC236}">
-                <a16:creationId xmlns:a16="http://schemas.microsoft.com/office/drawing/2014/main" id="{D1DD1728-2C9E-4AF0-0C48-A1E1B6E7783C}"/>
-              </a:ext>
-            </a:extLst>
-          </p:cNvPr>
-          <p:cNvSpPr txBox="1"/>
-          <p:nvPr/>
-        </p:nvSpPr>
-        <p:spPr>
-          <a:xfrm>
-            <a:off x="4078524" y="1036564"/>
-            <a:ext cx="4006790" cy="4789123"/>
-          </a:xfrm>
-          <a:prstGeom prst="rect">
-            <a:avLst/>
-          </a:prstGeom>
-          <a:noFill/>
-        </p:spPr>
-        <p:txBody>
-          <a:bodyPr wrap="square" rtlCol="0">
-            <a:spAutoFit/>
-          </a:bodyPr>
-          <a:lstStyle/>
-          <a:p>
-            <a:endParaRPr lang="en-GB" dirty="0"/>
-          </a:p>
-        </p:txBody>
-      </p:sp>
-      <p:sp>
-        <p:nvSpPr>
-          <p:cNvPr id="7" name="CasellaDiTesto 6">
-            <a:extLst>
-              <a:ext uri="{FF2B5EF4-FFF2-40B4-BE49-F238E27FC236}">
-                <a16:creationId xmlns:a16="http://schemas.microsoft.com/office/drawing/2014/main" id="{031C1C8B-3DC0-4D3F-5930-21A6D5E577FA}"/>
-              </a:ext>
-            </a:extLst>
-          </p:cNvPr>
-          <p:cNvSpPr txBox="1"/>
-          <p:nvPr/>
-        </p:nvSpPr>
-        <p:spPr>
-          <a:xfrm>
-            <a:off x="8085313" y="1036564"/>
-            <a:ext cx="3724341" cy="4789123"/>
-          </a:xfrm>
-          <a:prstGeom prst="rect">
-            <a:avLst/>
-          </a:prstGeom>
-          <a:noFill/>
-        </p:spPr>
-        <p:txBody>
-          <a:bodyPr wrap="square" rtlCol="0">
-            <a:spAutoFit/>
-          </a:bodyPr>
-          <a:lstStyle/>
-          <a:p>
-            <a:endParaRPr lang="en-GB" dirty="0"/>
-          </a:p>
-        </p:txBody>
-      </p:sp>
-      <p:sp>
-        <p:nvSpPr>
-          <p:cNvPr id="8" name="CasellaDiTesto 7">
-            <a:extLst>
-              <a:ext uri="{FF2B5EF4-FFF2-40B4-BE49-F238E27FC236}">
-                <a16:creationId xmlns:a16="http://schemas.microsoft.com/office/drawing/2014/main" id="{1C6E39ED-3071-8F63-9592-33F57AE0BA0F}"/>
-              </a:ext>
-            </a:extLst>
-          </p:cNvPr>
-          <p:cNvSpPr txBox="1"/>
-          <p:nvPr/>
-        </p:nvSpPr>
-        <p:spPr>
-          <a:xfrm>
-            <a:off x="4106688" y="1714911"/>
-            <a:ext cx="3710260" cy="3416320"/>
-          </a:xfrm>
-          <a:prstGeom prst="rect">
-            <a:avLst/>
-          </a:prstGeom>
-          <a:noFill/>
-        </p:spPr>
-        <p:txBody>
-          <a:bodyPr wrap="square" rtlCol="0">
-            <a:spAutoFit/>
-          </a:bodyPr>
-          <a:lstStyle/>
-          <a:p>
-            <a:pPr algn="ctr"/>
-            <a:r>
-              <a:rPr lang="it-IT" dirty="0" err="1">
-                <a:latin typeface="Baloo 2" panose="03080502040302020200"/>
-              </a:rPr>
-              <a:t>Cleaning</a:t>
-            </a:r>
-            <a:endParaRPr lang="it-IT" dirty="0">
-              <a:latin typeface="Baloo 2" panose="03080502040302020200"/>
-            </a:endParaRPr>
-          </a:p>
-          <a:p>
-            <a:endParaRPr lang="it-IT" dirty="0">
-              <a:latin typeface="Baloo 2" panose="03080502040302020200"/>
-            </a:endParaRPr>
-          </a:p>
           <a:p>
             <a:pPr marL="285750" indent="-285750">
               <a:buFont typeface="Arial" panose="020B0604020202020204" pitchFamily="34" charset="0"/>
               <a:buChar char="•"/>
             </a:pPr>
             <a:r>
+              <a:rPr lang="it-IT" dirty="0" err="1">
+                <a:latin typeface="Baloo 2" panose="03080502040302020200"/>
+              </a:rPr>
+              <a:t>Null</a:t>
+            </a:r>
+            <a:r>
               <a:rPr lang="it-IT" dirty="0">
                 <a:latin typeface="Baloo 2" panose="03080502040302020200"/>
               </a:rPr>
-              <a:t>Duplicate </a:t>
+              <a:t> </a:t>
             </a:r>
             <a:r>
               <a:rPr lang="it-IT" dirty="0" err="1">
                 <a:latin typeface="Baloo 2" panose="03080502040302020200"/>
               </a:rPr>
-              <a:t>Detection</a:t>
+              <a:t>Values</a:t>
             </a:r>
             <a:br>
               <a:rPr lang="it-IT" dirty="0">
@@ -5408,7 +5286,7 @@
               <a:rPr lang="it-IT" dirty="0" err="1">
                 <a:latin typeface="Baloo 2" panose="03080502040302020200"/>
               </a:rPr>
-              <a:t>Null</a:t>
+              <a:t>Column</a:t>
             </a:r>
             <a:r>
               <a:rPr lang="it-IT" dirty="0">
@@ -5420,7 +5298,7 @@
               <a:rPr lang="it-IT" dirty="0" err="1">
                 <a:latin typeface="Baloo 2" panose="03080502040302020200"/>
               </a:rPr>
-              <a:t>Values</a:t>
+              <a:t>Dropping</a:t>
             </a:r>
             <a:br>
               <a:rPr lang="it-IT" dirty="0">
@@ -5440,19 +5318,13 @@
               <a:rPr lang="it-IT" dirty="0" err="1">
                 <a:latin typeface="Baloo 2" panose="03080502040302020200"/>
               </a:rPr>
-              <a:t>Column</a:t>
+              <a:t>Suggested</a:t>
             </a:r>
             <a:r>
               <a:rPr lang="it-IT" dirty="0">
                 <a:latin typeface="Baloo 2" panose="03080502040302020200"/>
               </a:rPr>
-              <a:t> </a:t>
-            </a:r>
-            <a:r>
-              <a:rPr lang="it-IT" dirty="0" err="1">
-                <a:latin typeface="Baloo 2" panose="03080502040302020200"/>
-              </a:rPr>
-              <a:t>Dropping</a:t>
+              <a:t> Actions</a:t>
             </a:r>
             <a:br>
               <a:rPr lang="it-IT" dirty="0">
@@ -5472,13 +5344,75 @@
               <a:rPr lang="it-IT" dirty="0" err="1">
                 <a:latin typeface="Baloo 2" panose="03080502040302020200"/>
               </a:rPr>
-              <a:t>Suggested</a:t>
+              <a:t>Automatic</a:t>
             </a:r>
             <a:r>
               <a:rPr lang="it-IT" dirty="0">
                 <a:latin typeface="Baloo 2" panose="03080502040302020200"/>
               </a:rPr>
-              <a:t> Actions</a:t>
+              <a:t> </a:t>
+            </a:r>
+            <a:r>
+              <a:rPr lang="it-IT" dirty="0" err="1">
+                <a:latin typeface="Baloo 2" panose="03080502040302020200"/>
+              </a:rPr>
+              <a:t>Cleaning</a:t>
+            </a:r>
+            <a:endParaRPr lang="it-IT" dirty="0">
+              <a:latin typeface="Baloo 2" panose="03080502040302020200"/>
+            </a:endParaRPr>
+          </a:p>
+          <a:p>
+            <a:pPr marL="285750" indent="-285750">
+              <a:buFont typeface="Arial" panose="020B0604020202020204" pitchFamily="34" charset="0"/>
+              <a:buChar char="•"/>
+            </a:pPr>
+            <a:endParaRPr lang="it-IT" dirty="0">
+              <a:latin typeface="Baloo 2" panose="03080502040302020200"/>
+            </a:endParaRPr>
+          </a:p>
+          <a:p>
+            <a:endParaRPr lang="it-IT" dirty="0">
+              <a:latin typeface="Baloo 2" panose="03080502040302020200"/>
+            </a:endParaRPr>
+          </a:p>
+          <a:p>
+            <a:r>
+              <a:rPr lang="it-IT" dirty="0">
+                <a:latin typeface="Baloo 2" panose="03080502040302020200"/>
+              </a:rPr>
+              <a:t>	            </a:t>
+            </a:r>
+            <a:r>
+              <a:rPr lang="it-IT" dirty="0" err="1">
+                <a:latin typeface="Baloo 2" panose="03080502040302020200"/>
+              </a:rPr>
+              <a:t>Wrangling</a:t>
+            </a:r>
+            <a:endParaRPr lang="en-GB" dirty="0"/>
+          </a:p>
+          <a:p>
+            <a:pPr lvl="1" indent="0" algn="ctr">
+              <a:buNone/>
+            </a:pPr>
+            <a:endParaRPr lang="en-GB" dirty="0"/>
+          </a:p>
+          <a:p>
+            <a:pPr marL="285750" indent="-285750">
+              <a:buFont typeface="Arial" panose="020B0604020202020204" pitchFamily="34" charset="0"/>
+              <a:buChar char="•"/>
+            </a:pPr>
+            <a:r>
+              <a:rPr lang="it-IT" dirty="0" err="1">
+                <a:latin typeface="Baloo 2" panose="03080502040302020200"/>
+              </a:rPr>
+              <a:t>Values</a:t>
+            </a:r>
+            <a:r>
+              <a:rPr lang="it-IT" dirty="0">
+                <a:latin typeface="Baloo 2" panose="03080502040302020200"/>
+              </a:rPr>
+              <a:t> Editing</a:t>
             </a:r>
             <a:br>
               <a:rPr lang="it-IT" dirty="0">
@@ -5498,7 +5432,7 @@
               <a:rPr lang="it-IT" dirty="0" err="1">
                 <a:latin typeface="Baloo 2" panose="03080502040302020200"/>
               </a:rPr>
-              <a:t>Automatic</a:t>
+              <a:t>Column</a:t>
             </a:r>
             <a:r>
               <a:rPr lang="it-IT" dirty="0">
@@ -5510,7 +5444,7 @@
               <a:rPr lang="it-IT" dirty="0" err="1">
                 <a:latin typeface="Baloo 2" panose="03080502040302020200"/>
               </a:rPr>
-              <a:t>Cleaning</a:t>
+              <a:t>Renaming</a:t>
             </a:r>
             <a:br>
               <a:rPr lang="it-IT" dirty="0">
@@ -5521,52 +5455,6 @@
               <a:latin typeface="Baloo 2" panose="03080502040302020200"/>
             </a:endParaRPr>
           </a:p>
-        </p:txBody>
-      </p:sp>
-      <p:sp>
-        <p:nvSpPr>
-          <p:cNvPr id="9" name="CasellaDiTesto 8">
-            <a:extLst>
-              <a:ext uri="{FF2B5EF4-FFF2-40B4-BE49-F238E27FC236}">
-                <a16:creationId xmlns:a16="http://schemas.microsoft.com/office/drawing/2014/main" id="{C14673A5-701B-528E-FFB3-16187E2A4274}"/>
-              </a:ext>
-            </a:extLst>
-          </p:cNvPr>
-          <p:cNvSpPr txBox="1"/>
-          <p:nvPr/>
-        </p:nvSpPr>
-        <p:spPr>
-          <a:xfrm>
-            <a:off x="8188280" y="1740147"/>
-            <a:ext cx="3710260" cy="3139321"/>
-          </a:xfrm>
-          <a:prstGeom prst="rect">
-            <a:avLst/>
-          </a:prstGeom>
-          <a:noFill/>
-        </p:spPr>
-        <p:txBody>
-          <a:bodyPr wrap="square" rtlCol="0">
-            <a:spAutoFit/>
-          </a:bodyPr>
-          <a:lstStyle/>
-          <a:p>
-            <a:pPr algn="ctr"/>
-            <a:r>
-              <a:rPr lang="it-IT" dirty="0" err="1">
-                <a:latin typeface="Baloo 2" panose="03080502040302020200"/>
-              </a:rPr>
-              <a:t>Wrangling</a:t>
-            </a:r>
-            <a:endParaRPr lang="it-IT" dirty="0">
-              <a:latin typeface="Baloo 2" panose="03080502040302020200"/>
-            </a:endParaRPr>
-          </a:p>
-          <a:p>
-            <a:endParaRPr lang="it-IT" dirty="0">
-              <a:latin typeface="Baloo 2" panose="03080502040302020200"/>
-            </a:endParaRPr>
-          </a:p>
           <a:p>
             <a:pPr marL="285750" indent="-285750">
               <a:buFont typeface="Arial" panose="020B0604020202020204" pitchFamily="34" charset="0"/>
@@ -5576,13 +5464,13 @@
               <a:rPr lang="it-IT" dirty="0" err="1">
                 <a:latin typeface="Baloo 2" panose="03080502040302020200"/>
               </a:rPr>
-              <a:t>Values</a:t>
+              <a:t>Column</a:t>
             </a:r>
             <a:r>
               <a:rPr lang="it-IT" dirty="0">
                 <a:latin typeface="Baloo 2" panose="03080502040302020200"/>
               </a:rPr>
-              <a:t> Editing</a:t>
+              <a:t> Splitting</a:t>
             </a:r>
             <a:br>
               <a:rPr lang="it-IT" dirty="0">
@@ -5602,702 +5490,6 @@
               <a:rPr lang="it-IT" dirty="0" err="1">
                 <a:latin typeface="Baloo 2" panose="03080502040302020200"/>
               </a:rPr>
-              <a:t>Column</a:t>
-            </a:r>
-            <a:r>
-              <a:rPr lang="it-IT" dirty="0">
-                <a:latin typeface="Baloo 2" panose="03080502040302020200"/>
-              </a:rPr>
-              <a:t> </a:t>
-            </a:r>
-            <a:r>
-              <a:rPr lang="it-IT" dirty="0" err="1">
-                <a:latin typeface="Baloo 2" panose="03080502040302020200"/>
-              </a:rPr>
-              <a:t>Renaming</a:t>
-            </a:r>
-            <a:br>
-              <a:rPr lang="it-IT" dirty="0">
-                <a:latin typeface="Baloo 2" panose="03080502040302020200"/>
-              </a:rPr>
-            </a:br>
-            <a:endParaRPr lang="it-IT" dirty="0">
-              <a:latin typeface="Baloo 2" panose="03080502040302020200"/>
-            </a:endParaRPr>
-          </a:p>
-          <a:p>
-            <a:pPr marL="285750" indent="-285750">
-              <a:buFont typeface="Arial" panose="020B0604020202020204" pitchFamily="34" charset="0"/>
-              <a:buChar char="•"/>
-            </a:pPr>
-            <a:r>
-              <a:rPr lang="it-IT" dirty="0" err="1">
-                <a:latin typeface="Baloo 2" panose="03080502040302020200"/>
-              </a:rPr>
-              <a:t>Column</a:t>
-            </a:r>
-            <a:r>
-              <a:rPr lang="it-IT" dirty="0">
-                <a:latin typeface="Baloo 2" panose="03080502040302020200"/>
-              </a:rPr>
-              <a:t> Splitting</a:t>
-            </a:r>
-            <a:br>
-              <a:rPr lang="it-IT" dirty="0">
-                <a:latin typeface="Baloo 2" panose="03080502040302020200"/>
-              </a:rPr>
-            </a:br>
-            <a:endParaRPr lang="it-IT" dirty="0">
-              <a:latin typeface="Baloo 2" panose="03080502040302020200"/>
-            </a:endParaRPr>
-          </a:p>
-          <a:p>
-            <a:pPr marL="285750" indent="-285750">
-              <a:buFont typeface="Arial" panose="020B0604020202020204" pitchFamily="34" charset="0"/>
-              <a:buChar char="•"/>
-            </a:pPr>
-            <a:r>
-              <a:rPr lang="it-IT" dirty="0" err="1">
-                <a:latin typeface="Baloo 2" panose="03080502040302020200"/>
-              </a:rPr>
-              <a:t>Columns</a:t>
-            </a:r>
-            <a:r>
-              <a:rPr lang="it-IT" dirty="0">
-                <a:latin typeface="Baloo 2" panose="03080502040302020200"/>
-              </a:rPr>
-              <a:t> </a:t>
-            </a:r>
-            <a:r>
-              <a:rPr lang="it-IT" dirty="0" err="1">
-                <a:latin typeface="Baloo 2" panose="03080502040302020200"/>
-              </a:rPr>
-              <a:t>Merging</a:t>
-            </a:r>
-            <a:br>
-              <a:rPr lang="it-IT" dirty="0">
-                <a:latin typeface="Baloo 2" panose="03080502040302020200"/>
-              </a:rPr>
-            </a:br>
-            <a:endParaRPr lang="it-IT" dirty="0">
-              <a:latin typeface="Baloo 2" panose="03080502040302020200"/>
-            </a:endParaRPr>
-          </a:p>
-          <a:p>
-            <a:endParaRPr lang="it-IT" dirty="0">
-              <a:latin typeface="Baloo 2" panose="03080502040302020200"/>
-            </a:endParaRPr>
-          </a:p>
-        </p:txBody>
-      </p:sp>
-      <p:cxnSp>
-        <p:nvCxnSpPr>
-          <p:cNvPr id="13" name="Connettore diritto 12">
-            <a:extLst>
-              <a:ext uri="{FF2B5EF4-FFF2-40B4-BE49-F238E27FC236}">
-                <a16:creationId xmlns:a16="http://schemas.microsoft.com/office/drawing/2014/main" id="{67E5ACE1-EE95-763A-A03C-A71D73457121}"/>
-              </a:ext>
-            </a:extLst>
-          </p:cNvPr>
-          <p:cNvCxnSpPr/>
-          <p:nvPr/>
-        </p:nvCxnSpPr>
-        <p:spPr>
-          <a:xfrm>
-            <a:off x="3675355" y="914400"/>
-            <a:ext cx="0" cy="5273336"/>
-          </a:xfrm>
-          <a:prstGeom prst="line">
-            <a:avLst/>
-          </a:prstGeom>
-          <a:ln>
-            <a:solidFill>
-              <a:schemeClr val="tx1"/>
-            </a:solidFill>
-          </a:ln>
-        </p:spPr>
-        <p:style>
-          <a:lnRef idx="2">
-            <a:schemeClr val="accent1"/>
-          </a:lnRef>
-          <a:fillRef idx="0">
-            <a:schemeClr val="accent1"/>
-          </a:fillRef>
-          <a:effectRef idx="1">
-            <a:schemeClr val="accent1"/>
-          </a:effectRef>
-          <a:fontRef idx="minor">
-            <a:schemeClr val="tx1"/>
-          </a:fontRef>
-        </p:style>
-      </p:cxnSp>
-      <p:cxnSp>
-        <p:nvCxnSpPr>
-          <p:cNvPr id="14" name="Connettore diritto 13">
-            <a:extLst>
-              <a:ext uri="{FF2B5EF4-FFF2-40B4-BE49-F238E27FC236}">
-                <a16:creationId xmlns:a16="http://schemas.microsoft.com/office/drawing/2014/main" id="{8B72A4B9-46E2-0271-972B-CD248B7BC5AB}"/>
-              </a:ext>
-            </a:extLst>
-          </p:cNvPr>
-          <p:cNvCxnSpPr/>
-          <p:nvPr/>
-        </p:nvCxnSpPr>
-        <p:spPr>
-          <a:xfrm>
-            <a:off x="7627397" y="914400"/>
-            <a:ext cx="0" cy="5273336"/>
-          </a:xfrm>
-          <a:prstGeom prst="line">
-            <a:avLst/>
-          </a:prstGeom>
-          <a:ln>
-            <a:solidFill>
-              <a:schemeClr val="tx1"/>
-            </a:solidFill>
-          </a:ln>
-        </p:spPr>
-        <p:style>
-          <a:lnRef idx="2">
-            <a:schemeClr val="accent1"/>
-          </a:lnRef>
-          <a:fillRef idx="0">
-            <a:schemeClr val="accent1"/>
-          </a:fillRef>
-          <a:effectRef idx="1">
-            <a:schemeClr val="accent1"/>
-          </a:effectRef>
-          <a:fontRef idx="minor">
-            <a:schemeClr val="tx1"/>
-          </a:fontRef>
-        </p:style>
-      </p:cxnSp>
-    </p:spTree>
-    <p:extLst>
-      <p:ext uri="{BB962C8B-B14F-4D97-AF65-F5344CB8AC3E}">
-        <p14:creationId xmlns:p14="http://schemas.microsoft.com/office/powerpoint/2010/main" val="2088872430"/>
-      </p:ext>
-    </p:extLst>
-  </p:cSld>
-  <p:clrMapOvr>
-    <a:masterClrMapping/>
-  </p:clrMapOvr>
-</p:sld>
-</file>
-
-<file path=ppt/slides/slide5.xml><?xml version="1.0" encoding="utf-8"?>
-<p:sld xmlns:a="http://schemas.openxmlformats.org/drawingml/2006/main" xmlns:r="http://schemas.openxmlformats.org/officeDocument/2006/relationships" xmlns:p="http://schemas.openxmlformats.org/presentationml/2006/main">
-  <p:cSld>
-    <p:spTree>
-      <p:nvGrpSpPr>
-        <p:cNvPr id="1" name=""/>
-        <p:cNvGrpSpPr/>
-        <p:nvPr/>
-      </p:nvGrpSpPr>
-      <p:grpSpPr>
-        <a:xfrm>
-          <a:off x="0" y="0"/>
-          <a:ext cx="0" cy="0"/>
-          <a:chOff x="0" y="0"/>
-          <a:chExt cx="0" cy="0"/>
-        </a:xfrm>
-      </p:grpSpPr>
-      <p:sp>
-        <p:nvSpPr>
-          <p:cNvPr id="2" name="Titolo 1">
-            <a:extLst>
-              <a:ext uri="{FF2B5EF4-FFF2-40B4-BE49-F238E27FC236}">
-                <a16:creationId xmlns:a16="http://schemas.microsoft.com/office/drawing/2014/main" id="{68133B07-96F1-F6C5-1B44-665F756641D5}"/>
-              </a:ext>
-            </a:extLst>
-          </p:cNvPr>
-          <p:cNvSpPr>
-            <a:spLocks noGrp="1"/>
-          </p:cNvSpPr>
-          <p:nvPr>
-            <p:ph type="title"/>
-          </p:nvPr>
-        </p:nvSpPr>
-        <p:spPr/>
-        <p:txBody>
-          <a:bodyPr/>
-          <a:lstStyle/>
-          <a:p>
-            <a:r>
-              <a:rPr lang="it-IT" dirty="0" err="1"/>
-              <a:t>Offered</a:t>
-            </a:r>
-            <a:r>
-              <a:rPr lang="it-IT" dirty="0"/>
-              <a:t> </a:t>
-            </a:r>
-            <a:r>
-              <a:rPr lang="it-IT" dirty="0" err="1"/>
-              <a:t>functionalities</a:t>
-            </a:r>
-            <a:endParaRPr lang="en-GB" dirty="0"/>
-          </a:p>
-        </p:txBody>
-      </p:sp>
-      <p:sp>
-        <p:nvSpPr>
-          <p:cNvPr id="3" name="Segnaposto contenuto 2">
-            <a:extLst>
-              <a:ext uri="{FF2B5EF4-FFF2-40B4-BE49-F238E27FC236}">
-                <a16:creationId xmlns:a16="http://schemas.microsoft.com/office/drawing/2014/main" id="{7EA68544-01AF-EEE0-696C-AF4C904036DE}"/>
-              </a:ext>
-            </a:extLst>
-          </p:cNvPr>
-          <p:cNvSpPr>
-            <a:spLocks noGrp="1"/>
-          </p:cNvSpPr>
-          <p:nvPr>
-            <p:ph idx="1"/>
-          </p:nvPr>
-        </p:nvSpPr>
-        <p:spPr>
-          <a:xfrm>
-            <a:off x="382346" y="1053996"/>
-            <a:ext cx="11441391" cy="4789956"/>
-          </a:xfrm>
-        </p:spPr>
-        <p:txBody>
-          <a:bodyPr numCol="3">
-            <a:normAutofit/>
-          </a:bodyPr>
-          <a:lstStyle/>
-          <a:p>
-            <a:r>
-              <a:rPr lang="it-IT" dirty="0"/>
-              <a:t>		   </a:t>
-            </a:r>
-          </a:p>
-          <a:p>
-            <a:r>
-              <a:rPr lang="it-IT" dirty="0"/>
-              <a:t>		    Profiling</a:t>
-            </a:r>
-          </a:p>
-          <a:p>
-            <a:endParaRPr lang="it-IT" dirty="0"/>
-          </a:p>
-          <a:p>
-            <a:pPr marL="285750" indent="-285750">
-              <a:buFont typeface="Arial" panose="020B0604020202020204" pitchFamily="34" charset="0"/>
-              <a:buChar char="•"/>
-            </a:pPr>
-            <a:r>
-              <a:rPr lang="it-IT" dirty="0" err="1">
-                <a:latin typeface="Baloo 2" panose="03080502040302020200"/>
-              </a:rPr>
-              <a:t>Pandas</a:t>
-            </a:r>
-            <a:r>
-              <a:rPr lang="it-IT" dirty="0">
-                <a:latin typeface="Baloo 2" panose="03080502040302020200"/>
-              </a:rPr>
-              <a:t> Profiler Report</a:t>
-            </a:r>
-            <a:br>
-              <a:rPr lang="it-IT" dirty="0">
-                <a:latin typeface="Baloo 2" panose="03080502040302020200"/>
-              </a:rPr>
-            </a:br>
-            <a:endParaRPr lang="it-IT" dirty="0">
-              <a:latin typeface="Baloo 2" panose="03080502040302020200"/>
-            </a:endParaRPr>
-          </a:p>
-          <a:p>
-            <a:pPr marL="285750" indent="-285750">
-              <a:buFont typeface="Arial" panose="020B0604020202020204" pitchFamily="34" charset="0"/>
-              <a:buChar char="•"/>
-            </a:pPr>
-            <a:r>
-              <a:rPr lang="it-IT" dirty="0">
-                <a:latin typeface="Baloo 2" panose="03080502040302020200"/>
-              </a:rPr>
-              <a:t>Dataset Info</a:t>
-            </a:r>
-            <a:br>
-              <a:rPr lang="it-IT" dirty="0">
-                <a:latin typeface="Baloo 2" panose="03080502040302020200"/>
-              </a:rPr>
-            </a:br>
-            <a:endParaRPr lang="it-IT" dirty="0">
-              <a:latin typeface="Baloo 2" panose="03080502040302020200"/>
-            </a:endParaRPr>
-          </a:p>
-          <a:p>
-            <a:pPr marL="285750" indent="-285750">
-              <a:buFont typeface="Arial" panose="020B0604020202020204" pitchFamily="34" charset="0"/>
-              <a:buChar char="•"/>
-            </a:pPr>
-            <a:r>
-              <a:rPr lang="it-IT" dirty="0">
-                <a:latin typeface="Baloo 2" panose="03080502040302020200"/>
-              </a:rPr>
-              <a:t>Show </a:t>
-            </a:r>
-            <a:r>
-              <a:rPr lang="it-IT" dirty="0" err="1">
-                <a:latin typeface="Baloo 2" panose="03080502040302020200"/>
-              </a:rPr>
-              <a:t>Entire</a:t>
-            </a:r>
-            <a:r>
-              <a:rPr lang="it-IT" dirty="0">
-                <a:latin typeface="Baloo 2" panose="03080502040302020200"/>
-              </a:rPr>
-              <a:t> Dataset</a:t>
-            </a:r>
-            <a:br>
-              <a:rPr lang="it-IT" dirty="0">
-                <a:latin typeface="Baloo 2" panose="03080502040302020200"/>
-              </a:rPr>
-            </a:br>
-            <a:endParaRPr lang="it-IT" dirty="0">
-              <a:latin typeface="Baloo 2" panose="03080502040302020200"/>
-            </a:endParaRPr>
-          </a:p>
-          <a:p>
-            <a:pPr marL="285750" indent="-285750">
-              <a:buFont typeface="Arial" panose="020B0604020202020204" pitchFamily="34" charset="0"/>
-              <a:buChar char="•"/>
-            </a:pPr>
-            <a:r>
-              <a:rPr lang="it-IT" dirty="0">
-                <a:latin typeface="Baloo 2" panose="03080502040302020200"/>
-              </a:rPr>
-              <a:t>Info by </a:t>
-            </a:r>
-            <a:r>
-              <a:rPr lang="it-IT" dirty="0" err="1">
-                <a:latin typeface="Baloo 2" panose="03080502040302020200"/>
-              </a:rPr>
-              <a:t>Column</a:t>
-            </a:r>
-            <a:br>
-              <a:rPr lang="it-IT" dirty="0">
-                <a:latin typeface="Baloo 2" panose="03080502040302020200"/>
-              </a:rPr>
-            </a:br>
-            <a:endParaRPr lang="it-IT" dirty="0">
-              <a:latin typeface="Baloo 2" panose="03080502040302020200"/>
-            </a:endParaRPr>
-          </a:p>
-          <a:p>
-            <a:pPr marL="285750" indent="-285750">
-              <a:buFont typeface="Arial" panose="020B0604020202020204" pitchFamily="34" charset="0"/>
-              <a:buChar char="•"/>
-            </a:pPr>
-            <a:r>
-              <a:rPr lang="it-IT" dirty="0">
-                <a:latin typeface="Baloo 2" panose="03080502040302020200"/>
-              </a:rPr>
-              <a:t>Download Dataset</a:t>
-            </a:r>
-            <a:endParaRPr lang="it-IT" dirty="0"/>
-          </a:p>
-          <a:p>
-            <a:pPr marL="1085850" lvl="1" indent="-342900">
-              <a:buFont typeface="Arial" panose="020B0604020202020204" pitchFamily="34" charset="0"/>
-              <a:buChar char="•"/>
-            </a:pPr>
-            <a:endParaRPr lang="it-IT" dirty="0"/>
-          </a:p>
-          <a:p>
-            <a:pPr marL="1085850" lvl="1" indent="-342900">
-              <a:buFont typeface="Arial" panose="020B0604020202020204" pitchFamily="34" charset="0"/>
-              <a:buChar char="•"/>
-            </a:pPr>
-            <a:endParaRPr lang="it-IT" dirty="0"/>
-          </a:p>
-          <a:p>
-            <a:pPr lvl="1" indent="0">
-              <a:buNone/>
-            </a:pPr>
-            <a:r>
-              <a:rPr lang="en-GB" dirty="0"/>
-              <a:t>Cleaning</a:t>
-            </a:r>
-          </a:p>
-          <a:p>
-            <a:pPr lvl="1" indent="0">
-              <a:buNone/>
-            </a:pPr>
-            <a:endParaRPr lang="en-GB" dirty="0"/>
-          </a:p>
-          <a:p>
-            <a:pPr marL="285750" indent="-285750">
-              <a:buFont typeface="Arial" panose="020B0604020202020204" pitchFamily="34" charset="0"/>
-              <a:buChar char="•"/>
-            </a:pPr>
-            <a:r>
-              <a:rPr lang="it-IT" dirty="0">
-                <a:latin typeface="Baloo 2" panose="03080502040302020200"/>
-              </a:rPr>
-              <a:t>Duplicate </a:t>
-            </a:r>
-            <a:r>
-              <a:rPr lang="it-IT" dirty="0" err="1">
-                <a:latin typeface="Baloo 2" panose="03080502040302020200"/>
-              </a:rPr>
-              <a:t>Detection</a:t>
-            </a:r>
-            <a:br>
-              <a:rPr lang="it-IT" dirty="0">
-                <a:latin typeface="Baloo 2" panose="03080502040302020200"/>
-              </a:rPr>
-            </a:br>
-            <a:endParaRPr lang="it-IT" dirty="0">
-              <a:latin typeface="Baloo 2" panose="03080502040302020200"/>
-            </a:endParaRPr>
-          </a:p>
-          <a:p>
-            <a:pPr marL="285750" indent="-285750">
-              <a:buFont typeface="Arial" panose="020B0604020202020204" pitchFamily="34" charset="0"/>
-              <a:buChar char="•"/>
-            </a:pPr>
-            <a:r>
-              <a:rPr lang="it-IT" dirty="0" err="1">
-                <a:latin typeface="Baloo 2" panose="03080502040302020200"/>
-              </a:rPr>
-              <a:t>Null</a:t>
-            </a:r>
-            <a:r>
-              <a:rPr lang="it-IT" dirty="0">
-                <a:latin typeface="Baloo 2" panose="03080502040302020200"/>
-              </a:rPr>
-              <a:t> </a:t>
-            </a:r>
-            <a:r>
-              <a:rPr lang="it-IT" dirty="0" err="1">
-                <a:latin typeface="Baloo 2" panose="03080502040302020200"/>
-              </a:rPr>
-              <a:t>Values</a:t>
-            </a:r>
-            <a:br>
-              <a:rPr lang="it-IT" dirty="0">
-                <a:latin typeface="Baloo 2" panose="03080502040302020200"/>
-              </a:rPr>
-            </a:br>
-            <a:endParaRPr lang="it-IT" dirty="0">
-              <a:latin typeface="Baloo 2" panose="03080502040302020200"/>
-            </a:endParaRPr>
-          </a:p>
-          <a:p>
-            <a:pPr marL="285750" indent="-285750">
-              <a:buFont typeface="Arial" panose="020B0604020202020204" pitchFamily="34" charset="0"/>
-              <a:buChar char="•"/>
-            </a:pPr>
-            <a:r>
-              <a:rPr lang="it-IT" dirty="0" err="1">
-                <a:latin typeface="Baloo 2" panose="03080502040302020200"/>
-              </a:rPr>
-              <a:t>Column</a:t>
-            </a:r>
-            <a:r>
-              <a:rPr lang="it-IT" dirty="0">
-                <a:latin typeface="Baloo 2" panose="03080502040302020200"/>
-              </a:rPr>
-              <a:t> </a:t>
-            </a:r>
-            <a:r>
-              <a:rPr lang="it-IT" dirty="0" err="1">
-                <a:latin typeface="Baloo 2" panose="03080502040302020200"/>
-              </a:rPr>
-              <a:t>Dropping</a:t>
-            </a:r>
-            <a:br>
-              <a:rPr lang="it-IT" dirty="0">
-                <a:latin typeface="Baloo 2" panose="03080502040302020200"/>
-              </a:rPr>
-            </a:br>
-            <a:endParaRPr lang="it-IT" dirty="0">
-              <a:latin typeface="Baloo 2" panose="03080502040302020200"/>
-            </a:endParaRPr>
-          </a:p>
-          <a:p>
-            <a:pPr marL="285750" indent="-285750">
-              <a:buFont typeface="Arial" panose="020B0604020202020204" pitchFamily="34" charset="0"/>
-              <a:buChar char="•"/>
-            </a:pPr>
-            <a:r>
-              <a:rPr lang="it-IT" dirty="0" err="1">
-                <a:latin typeface="Baloo 2" panose="03080502040302020200"/>
-              </a:rPr>
-              <a:t>Suggested</a:t>
-            </a:r>
-            <a:r>
-              <a:rPr lang="it-IT" dirty="0">
-                <a:latin typeface="Baloo 2" panose="03080502040302020200"/>
-              </a:rPr>
-              <a:t> Actions</a:t>
-            </a:r>
-            <a:br>
-              <a:rPr lang="it-IT" dirty="0">
-                <a:latin typeface="Baloo 2" panose="03080502040302020200"/>
-              </a:rPr>
-            </a:br>
-            <a:endParaRPr lang="it-IT" dirty="0">
-              <a:latin typeface="Baloo 2" panose="03080502040302020200"/>
-            </a:endParaRPr>
-          </a:p>
-          <a:p>
-            <a:pPr marL="285750" indent="-285750">
-              <a:buFont typeface="Arial" panose="020B0604020202020204" pitchFamily="34" charset="0"/>
-              <a:buChar char="•"/>
-            </a:pPr>
-            <a:r>
-              <a:rPr lang="it-IT" dirty="0" err="1">
-                <a:latin typeface="Baloo 2" panose="03080502040302020200"/>
-              </a:rPr>
-              <a:t>Automatic</a:t>
-            </a:r>
-            <a:r>
-              <a:rPr lang="it-IT" dirty="0">
-                <a:latin typeface="Baloo 2" panose="03080502040302020200"/>
-              </a:rPr>
-              <a:t> </a:t>
-            </a:r>
-            <a:r>
-              <a:rPr lang="it-IT" dirty="0" err="1">
-                <a:latin typeface="Baloo 2" panose="03080502040302020200"/>
-              </a:rPr>
-              <a:t>Cleaning</a:t>
-            </a:r>
-            <a:endParaRPr lang="it-IT" dirty="0">
-              <a:latin typeface="Baloo 2" panose="03080502040302020200"/>
-            </a:endParaRPr>
-          </a:p>
-          <a:p>
-            <a:pPr marL="285750" indent="-285750">
-              <a:buFont typeface="Arial" panose="020B0604020202020204" pitchFamily="34" charset="0"/>
-              <a:buChar char="•"/>
-            </a:pPr>
-            <a:endParaRPr lang="it-IT" dirty="0">
-              <a:latin typeface="Baloo 2" panose="03080502040302020200"/>
-            </a:endParaRPr>
-          </a:p>
-          <a:p>
-            <a:endParaRPr lang="it-IT" dirty="0">
-              <a:latin typeface="Baloo 2" panose="03080502040302020200"/>
-            </a:endParaRPr>
-          </a:p>
-          <a:p>
-            <a:r>
-              <a:rPr lang="it-IT" dirty="0">
-                <a:latin typeface="Baloo 2" panose="03080502040302020200"/>
-              </a:rPr>
-              <a:t>	            </a:t>
-            </a:r>
-            <a:r>
-              <a:rPr lang="it-IT" dirty="0" err="1">
-                <a:latin typeface="Baloo 2" panose="03080502040302020200"/>
-              </a:rPr>
-              <a:t>Wrangling</a:t>
-            </a:r>
-            <a:endParaRPr lang="en-GB" dirty="0"/>
-          </a:p>
-          <a:p>
-            <a:pPr lvl="1" indent="0" algn="ctr">
-              <a:buNone/>
-            </a:pPr>
-            <a:endParaRPr lang="en-GB" dirty="0"/>
-          </a:p>
-          <a:p>
-            <a:pPr marL="285750" indent="-285750">
-              <a:buFont typeface="Arial" panose="020B0604020202020204" pitchFamily="34" charset="0"/>
-              <a:buChar char="•"/>
-            </a:pPr>
-            <a:r>
-              <a:rPr lang="it-IT" dirty="0" err="1">
-                <a:latin typeface="Baloo 2" panose="03080502040302020200"/>
-              </a:rPr>
-              <a:t>Values</a:t>
-            </a:r>
-            <a:r>
-              <a:rPr lang="it-IT" dirty="0">
-                <a:latin typeface="Baloo 2" panose="03080502040302020200"/>
-              </a:rPr>
-              <a:t> Editing</a:t>
-            </a:r>
-            <a:br>
-              <a:rPr lang="it-IT" dirty="0">
-                <a:latin typeface="Baloo 2" panose="03080502040302020200"/>
-              </a:rPr>
-            </a:br>
-            <a:endParaRPr lang="it-IT" dirty="0">
-              <a:latin typeface="Baloo 2" panose="03080502040302020200"/>
-            </a:endParaRPr>
-          </a:p>
-          <a:p>
-            <a:pPr marL="285750" indent="-285750">
-              <a:buFont typeface="Arial" panose="020B0604020202020204" pitchFamily="34" charset="0"/>
-              <a:buChar char="•"/>
-            </a:pPr>
-            <a:r>
-              <a:rPr lang="it-IT" dirty="0" err="1">
-                <a:latin typeface="Baloo 2" panose="03080502040302020200"/>
-              </a:rPr>
-              <a:t>Column</a:t>
-            </a:r>
-            <a:r>
-              <a:rPr lang="it-IT" dirty="0">
-                <a:latin typeface="Baloo 2" panose="03080502040302020200"/>
-              </a:rPr>
-              <a:t> </a:t>
-            </a:r>
-            <a:r>
-              <a:rPr lang="it-IT" dirty="0" err="1">
-                <a:latin typeface="Baloo 2" panose="03080502040302020200"/>
-              </a:rPr>
-              <a:t>Renaming</a:t>
-            </a:r>
-            <a:br>
-              <a:rPr lang="it-IT" dirty="0">
-                <a:latin typeface="Baloo 2" panose="03080502040302020200"/>
-              </a:rPr>
-            </a:br>
-            <a:endParaRPr lang="it-IT" dirty="0">
-              <a:latin typeface="Baloo 2" panose="03080502040302020200"/>
-            </a:endParaRPr>
-          </a:p>
-          <a:p>
-            <a:pPr marL="285750" indent="-285750">
-              <a:buFont typeface="Arial" panose="020B0604020202020204" pitchFamily="34" charset="0"/>
-              <a:buChar char="•"/>
-            </a:pPr>
-            <a:r>
-              <a:rPr lang="it-IT" dirty="0" err="1">
-                <a:latin typeface="Baloo 2" panose="03080502040302020200"/>
-              </a:rPr>
-              <a:t>Column</a:t>
-            </a:r>
-            <a:r>
-              <a:rPr lang="it-IT" dirty="0">
-                <a:latin typeface="Baloo 2" panose="03080502040302020200"/>
-              </a:rPr>
-              <a:t> Splitting</a:t>
-            </a:r>
-            <a:br>
-              <a:rPr lang="it-IT" dirty="0">
-                <a:latin typeface="Baloo 2" panose="03080502040302020200"/>
-              </a:rPr>
-            </a:br>
-            <a:endParaRPr lang="it-IT" dirty="0">
-              <a:latin typeface="Baloo 2" panose="03080502040302020200"/>
-            </a:endParaRPr>
-          </a:p>
-          <a:p>
-            <a:pPr marL="285750" indent="-285750">
-              <a:buFont typeface="Arial" panose="020B0604020202020204" pitchFamily="34" charset="0"/>
-              <a:buChar char="•"/>
-            </a:pPr>
-            <a:r>
-              <a:rPr lang="it-IT" dirty="0" err="1">
-                <a:latin typeface="Baloo 2" panose="03080502040302020200"/>
-              </a:rPr>
               <a:t>Columns</a:t>
             </a:r>
             <a:r>
@@ -6355,7 +5547,7 @@
             <a:fld id="{7834947A-1B05-2B43-AD85-E646CE852B9E}" type="slidenum">
               <a:rPr lang="it-IT" smtClean="0"/>
               <a:pPr/>
-              <a:t>5</a:t>
+              <a:t>4</a:t>
             </a:fld>
             <a:endParaRPr lang="it-IT" dirty="0"/>
           </a:p>
@@ -6450,6 +5642,128 @@
 </p:sld>
 </file>
 
+<file path=ppt/slides/slide5.xml><?xml version="1.0" encoding="utf-8"?>
+<p:sld xmlns:a="http://schemas.openxmlformats.org/drawingml/2006/main" xmlns:r="http://schemas.openxmlformats.org/officeDocument/2006/relationships" xmlns:p="http://schemas.openxmlformats.org/presentationml/2006/main">
+  <p:cSld>
+    <p:spTree>
+      <p:nvGrpSpPr>
+        <p:cNvPr id="1" name=""/>
+        <p:cNvGrpSpPr/>
+        <p:nvPr/>
+      </p:nvGrpSpPr>
+      <p:grpSpPr>
+        <a:xfrm>
+          <a:off x="0" y="0"/>
+          <a:ext cx="0" cy="0"/>
+          <a:chOff x="0" y="0"/>
+          <a:chExt cx="0" cy="0"/>
+        </a:xfrm>
+      </p:grpSpPr>
+      <p:sp>
+        <p:nvSpPr>
+          <p:cNvPr id="2" name="Titolo 1">
+            <a:extLst>
+              <a:ext uri="{FF2B5EF4-FFF2-40B4-BE49-F238E27FC236}">
+                <a16:creationId xmlns:a16="http://schemas.microsoft.com/office/drawing/2014/main" id="{BCE39A95-EDE7-2866-9DA6-B1CC254C28D9}"/>
+              </a:ext>
+            </a:extLst>
+          </p:cNvPr>
+          <p:cNvSpPr>
+            <a:spLocks noGrp="1"/>
+          </p:cNvSpPr>
+          <p:nvPr>
+            <p:ph type="title"/>
+          </p:nvPr>
+        </p:nvSpPr>
+        <p:spPr/>
+        <p:txBody>
+          <a:bodyPr/>
+          <a:lstStyle/>
+          <a:p>
+            <a:r>
+              <a:rPr lang="it-IT" dirty="0" err="1"/>
+              <a:t>Implementation</a:t>
+            </a:r>
+            <a:endParaRPr lang="en-GB" dirty="0"/>
+          </a:p>
+        </p:txBody>
+      </p:sp>
+      <p:sp>
+        <p:nvSpPr>
+          <p:cNvPr id="3" name="Segnaposto contenuto 2">
+            <a:extLst>
+              <a:ext uri="{FF2B5EF4-FFF2-40B4-BE49-F238E27FC236}">
+                <a16:creationId xmlns:a16="http://schemas.microsoft.com/office/drawing/2014/main" id="{308297DA-7CC5-99DC-5CA5-9DB616BCE8E4}"/>
+              </a:ext>
+            </a:extLst>
+          </p:cNvPr>
+          <p:cNvSpPr>
+            <a:spLocks noGrp="1"/>
+          </p:cNvSpPr>
+          <p:nvPr>
+            <p:ph idx="1"/>
+          </p:nvPr>
+        </p:nvSpPr>
+        <p:spPr/>
+        <p:txBody>
+          <a:bodyPr/>
+          <a:lstStyle/>
+          <a:p>
+            <a:r>
+              <a:rPr lang="it-IT" dirty="0"/>
+              <a:t>Video </a:t>
+            </a:r>
+            <a:r>
+              <a:rPr lang="it-IT" dirty="0" err="1"/>
+              <a:t>here</a:t>
+            </a:r>
+            <a:endParaRPr lang="en-GB" dirty="0"/>
+          </a:p>
+        </p:txBody>
+      </p:sp>
+      <p:sp>
+        <p:nvSpPr>
+          <p:cNvPr id="4" name="Segnaposto numero diapositiva 3">
+            <a:extLst>
+              <a:ext uri="{FF2B5EF4-FFF2-40B4-BE49-F238E27FC236}">
+                <a16:creationId xmlns:a16="http://schemas.microsoft.com/office/drawing/2014/main" id="{DAAFB870-F9F3-84A3-EACD-54016D20AED2}"/>
+              </a:ext>
+            </a:extLst>
+          </p:cNvPr>
+          <p:cNvSpPr>
+            <a:spLocks noGrp="1"/>
+          </p:cNvSpPr>
+          <p:nvPr>
+            <p:ph type="sldNum" sz="quarter" idx="12"/>
+          </p:nvPr>
+        </p:nvSpPr>
+        <p:spPr/>
+        <p:txBody>
+          <a:bodyPr/>
+          <a:lstStyle/>
+          <a:p>
+            <a:fld id="{7834947A-1B05-2B43-AD85-E646CE852B9E}" type="slidenum">
+              <a:rPr lang="it-IT" smtClean="0"/>
+              <a:pPr/>
+              <a:t>5</a:t>
+            </a:fld>
+            <a:endParaRPr lang="it-IT" dirty="0"/>
+          </a:p>
+        </p:txBody>
+      </p:sp>
+    </p:spTree>
+    <p:extLst>
+      <p:ext uri="{BB962C8B-B14F-4D97-AF65-F5344CB8AC3E}">
+        <p14:creationId xmlns:p14="http://schemas.microsoft.com/office/powerpoint/2010/main" val="1002228438"/>
+      </p:ext>
+    </p:extLst>
+  </p:cSld>
+  <p:clrMapOvr>
+    <a:masterClrMapping/>
+  </p:clrMapOvr>
+</p:sld>
+</file>
+
 <file path=ppt/slides/slide6.xml><?xml version="1.0" encoding="utf-8"?>
 <p:sld xmlns:a="http://schemas.openxmlformats.org/drawingml/2006/main" xmlns:r="http://schemas.openxmlformats.org/officeDocument/2006/relationships" xmlns:p="http://schemas.openxmlformats.org/presentationml/2006/main">
   <p:cSld>
@@ -6472,128 +5786,6 @@
           <p:cNvPr id="2" name="Titolo 1">
             <a:extLst>
               <a:ext uri="{FF2B5EF4-FFF2-40B4-BE49-F238E27FC236}">
-                <a16:creationId xmlns:a16="http://schemas.microsoft.com/office/drawing/2014/main" id="{BCE39A95-EDE7-2866-9DA6-B1CC254C28D9}"/>
-              </a:ext>
-            </a:extLst>
-          </p:cNvPr>
-          <p:cNvSpPr>
-            <a:spLocks noGrp="1"/>
-          </p:cNvSpPr>
-          <p:nvPr>
-            <p:ph type="title"/>
-          </p:nvPr>
-        </p:nvSpPr>
-        <p:spPr/>
-        <p:txBody>
-          <a:bodyPr/>
-          <a:lstStyle/>
-          <a:p>
-            <a:r>
-              <a:rPr lang="it-IT" dirty="0" err="1"/>
-              <a:t>Implementation</a:t>
-            </a:r>
-            <a:endParaRPr lang="en-GB" dirty="0"/>
-          </a:p>
-        </p:txBody>
-      </p:sp>
-      <p:sp>
-        <p:nvSpPr>
-          <p:cNvPr id="3" name="Segnaposto contenuto 2">
-            <a:extLst>
-              <a:ext uri="{FF2B5EF4-FFF2-40B4-BE49-F238E27FC236}">
-                <a16:creationId xmlns:a16="http://schemas.microsoft.com/office/drawing/2014/main" id="{308297DA-7CC5-99DC-5CA5-9DB616BCE8E4}"/>
-              </a:ext>
-            </a:extLst>
-          </p:cNvPr>
-          <p:cNvSpPr>
-            <a:spLocks noGrp="1"/>
-          </p:cNvSpPr>
-          <p:nvPr>
-            <p:ph idx="1"/>
-          </p:nvPr>
-        </p:nvSpPr>
-        <p:spPr/>
-        <p:txBody>
-          <a:bodyPr/>
-          <a:lstStyle/>
-          <a:p>
-            <a:r>
-              <a:rPr lang="it-IT" dirty="0"/>
-              <a:t>Video </a:t>
-            </a:r>
-            <a:r>
-              <a:rPr lang="it-IT" dirty="0" err="1"/>
-              <a:t>here</a:t>
-            </a:r>
-            <a:endParaRPr lang="en-GB" dirty="0"/>
-          </a:p>
-        </p:txBody>
-      </p:sp>
-      <p:sp>
-        <p:nvSpPr>
-          <p:cNvPr id="4" name="Segnaposto numero diapositiva 3">
-            <a:extLst>
-              <a:ext uri="{FF2B5EF4-FFF2-40B4-BE49-F238E27FC236}">
-                <a16:creationId xmlns:a16="http://schemas.microsoft.com/office/drawing/2014/main" id="{DAAFB870-F9F3-84A3-EACD-54016D20AED2}"/>
-              </a:ext>
-            </a:extLst>
-          </p:cNvPr>
-          <p:cNvSpPr>
-            <a:spLocks noGrp="1"/>
-          </p:cNvSpPr>
-          <p:nvPr>
-            <p:ph type="sldNum" sz="quarter" idx="12"/>
-          </p:nvPr>
-        </p:nvSpPr>
-        <p:spPr/>
-        <p:txBody>
-          <a:bodyPr/>
-          <a:lstStyle/>
-          <a:p>
-            <a:fld id="{7834947A-1B05-2B43-AD85-E646CE852B9E}" type="slidenum">
-              <a:rPr lang="it-IT" smtClean="0"/>
-              <a:pPr/>
-              <a:t>6</a:t>
-            </a:fld>
-            <a:endParaRPr lang="it-IT" dirty="0"/>
-          </a:p>
-        </p:txBody>
-      </p:sp>
-    </p:spTree>
-    <p:extLst>
-      <p:ext uri="{BB962C8B-B14F-4D97-AF65-F5344CB8AC3E}">
-        <p14:creationId xmlns:p14="http://schemas.microsoft.com/office/powerpoint/2010/main" val="1002228438"/>
-      </p:ext>
-    </p:extLst>
-  </p:cSld>
-  <p:clrMapOvr>
-    <a:masterClrMapping/>
-  </p:clrMapOvr>
-</p:sld>
-</file>
-
-<file path=ppt/slides/slide7.xml><?xml version="1.0" encoding="utf-8"?>
-<p:sld xmlns:a="http://schemas.openxmlformats.org/drawingml/2006/main" xmlns:r="http://schemas.openxmlformats.org/officeDocument/2006/relationships" xmlns:p="http://schemas.openxmlformats.org/presentationml/2006/main">
-  <p:cSld>
-    <p:spTree>
-      <p:nvGrpSpPr>
-        <p:cNvPr id="1" name=""/>
-        <p:cNvGrpSpPr/>
-        <p:nvPr/>
-      </p:nvGrpSpPr>
-      <p:grpSpPr>
-        <a:xfrm>
-          <a:off x="0" y="0"/>
-          <a:ext cx="0" cy="0"/>
-          <a:chOff x="0" y="0"/>
-          <a:chExt cx="0" cy="0"/>
-        </a:xfrm>
-      </p:grpSpPr>
-      <p:sp>
-        <p:nvSpPr>
-          <p:cNvPr id="2" name="Titolo 1">
-            <a:extLst>
-              <a:ext uri="{FF2B5EF4-FFF2-40B4-BE49-F238E27FC236}">
                 <a16:creationId xmlns:a16="http://schemas.microsoft.com/office/drawing/2014/main" id="{500D7FAF-E6EE-56B1-3F86-BE5596A94FB3}"/>
               </a:ext>
             </a:extLst>
@@ -6813,7 +6005,7 @@
             <a:fld id="{7834947A-1B05-2B43-AD85-E646CE852B9E}" type="slidenum">
               <a:rPr lang="it-IT" smtClean="0"/>
               <a:pPr/>
-              <a:t>7</a:t>
+              <a:t>6</a:t>
             </a:fld>
             <a:endParaRPr lang="it-IT" dirty="0"/>
           </a:p>
